--- a/DMB2/Webové dashboard technologie.pptx
+++ b/DMB2/Webové dashboard technologie.pptx
@@ -4,6 +4,9 @@
   <p:sldMasterIdLst>
     <p:sldMasterId id="2147483648" r:id="rId1"/>
   </p:sldMasterIdLst>
+  <p:notesMasterIdLst>
+    <p:notesMasterId r:id="rId15"/>
+  </p:notesMasterIdLst>
   <p:sldIdLst>
     <p:sldId id="256" r:id="rId2"/>
     <p:sldId id="257" r:id="rId3"/>
@@ -14,9 +17,10 @@
     <p:sldId id="262" r:id="rId8"/>
     <p:sldId id="265" r:id="rId9"/>
     <p:sldId id="263" r:id="rId10"/>
-    <p:sldId id="264" r:id="rId11"/>
-    <p:sldId id="266" r:id="rId12"/>
-    <p:sldId id="267" r:id="rId13"/>
+    <p:sldId id="268" r:id="rId11"/>
+    <p:sldId id="264" r:id="rId12"/>
+    <p:sldId id="266" r:id="rId13"/>
+    <p:sldId id="267" r:id="rId14"/>
   </p:sldIdLst>
   <p:sldSz cx="12192000" cy="6858000"/>
   <p:notesSz cx="6858000" cy="9144000"/>
@@ -115,7 +119,366 @@
       </a:defRPr>
     </a:lvl9pPr>
   </p:defaultTextStyle>
+  <p:extLst>
+    <p:ext uri="{EFAFB233-063F-42B5-8137-9DF3F51BA10A}">
+      <p15:sldGuideLst xmlns:p15="http://schemas.microsoft.com/office/powerpoint/2012/main"/>
+    </p:ext>
+  </p:extLst>
 </p:presentation>
+</file>
+
+<file path=ppt/revisionInfo.xml><?xml version="1.0" encoding="utf-8"?>
+<p1510:revInfo xmlns:a="http://schemas.openxmlformats.org/drawingml/2006/main" xmlns:r="http://schemas.openxmlformats.org/officeDocument/2006/relationships" xmlns:p1510="http://schemas.microsoft.com/office/powerpoint/2015/10/main"/>
+</file>
+
+<file path=ppt/notesMasters/notesMaster1.xml><?xml version="1.0" encoding="utf-8"?>
+<p:notesMaster xmlns:a="http://schemas.openxmlformats.org/drawingml/2006/main" xmlns:r="http://schemas.openxmlformats.org/officeDocument/2006/relationships" xmlns:p="http://schemas.openxmlformats.org/presentationml/2006/main">
+  <p:cSld>
+    <p:bg>
+      <p:bgRef idx="1001">
+        <a:schemeClr val="bg1"/>
+      </p:bgRef>
+    </p:bg>
+    <p:spTree>
+      <p:nvGrpSpPr>
+        <p:cNvPr id="1" name=""/>
+        <p:cNvGrpSpPr/>
+        <p:nvPr/>
+      </p:nvGrpSpPr>
+      <p:grpSpPr>
+        <a:xfrm>
+          <a:off x="0" y="0"/>
+          <a:ext cx="0" cy="0"/>
+          <a:chOff x="0" y="0"/>
+          <a:chExt cx="0" cy="0"/>
+        </a:xfrm>
+      </p:grpSpPr>
+      <p:sp>
+        <p:nvSpPr>
+          <p:cNvPr id="2" name="Header Placeholder 1"/>
+          <p:cNvSpPr>
+            <a:spLocks noGrp="1"/>
+          </p:cNvSpPr>
+          <p:nvPr>
+            <p:ph type="hdr" sz="quarter"/>
+          </p:nvPr>
+        </p:nvSpPr>
+        <p:spPr>
+          <a:xfrm>
+            <a:off x="0" y="0"/>
+            <a:ext cx="2971800" cy="458788"/>
+          </a:xfrm>
+          <a:prstGeom prst="rect">
+            <a:avLst/>
+          </a:prstGeom>
+        </p:spPr>
+        <p:txBody>
+          <a:bodyPr vert="horz" lIns="91440" tIns="45720" rIns="91440" bIns="45720" rtlCol="0"/>
+          <a:lstStyle>
+            <a:lvl1pPr algn="l">
+              <a:defRPr sz="1200"/>
+            </a:lvl1pPr>
+          </a:lstStyle>
+          <a:p>
+            <a:endParaRPr lang="cs-CZ"/>
+          </a:p>
+        </p:txBody>
+      </p:sp>
+      <p:sp>
+        <p:nvSpPr>
+          <p:cNvPr id="3" name="Date Placeholder 2"/>
+          <p:cNvSpPr>
+            <a:spLocks noGrp="1"/>
+          </p:cNvSpPr>
+          <p:nvPr>
+            <p:ph type="dt" idx="1"/>
+          </p:nvPr>
+        </p:nvSpPr>
+        <p:spPr>
+          <a:xfrm>
+            <a:off x="3884613" y="0"/>
+            <a:ext cx="2971800" cy="458788"/>
+          </a:xfrm>
+          <a:prstGeom prst="rect">
+            <a:avLst/>
+          </a:prstGeom>
+        </p:spPr>
+        <p:txBody>
+          <a:bodyPr vert="horz" lIns="91440" tIns="45720" rIns="91440" bIns="45720" rtlCol="0"/>
+          <a:lstStyle>
+            <a:lvl1pPr algn="r">
+              <a:defRPr sz="1200"/>
+            </a:lvl1pPr>
+          </a:lstStyle>
+          <a:p>
+            <a:fld id="{1CE76770-534D-44F7-B5B8-C5C1425C965E}" type="datetimeFigureOut">
+              <a:rPr lang="cs-CZ" smtClean="0"/>
+              <a:t>14.11.2017</a:t>
+            </a:fld>
+            <a:endParaRPr lang="cs-CZ"/>
+          </a:p>
+        </p:txBody>
+      </p:sp>
+      <p:sp>
+        <p:nvSpPr>
+          <p:cNvPr id="4" name="Slide Image Placeholder 3"/>
+          <p:cNvSpPr>
+            <a:spLocks noGrp="1" noRot="1" noChangeAspect="1"/>
+          </p:cNvSpPr>
+          <p:nvPr>
+            <p:ph type="sldImg" idx="2"/>
+          </p:nvPr>
+        </p:nvSpPr>
+        <p:spPr>
+          <a:xfrm>
+            <a:off x="685800" y="1143000"/>
+            <a:ext cx="5486400" cy="3086100"/>
+          </a:xfrm>
+          <a:prstGeom prst="rect">
+            <a:avLst/>
+          </a:prstGeom>
+          <a:noFill/>
+          <a:ln w="12700">
+            <a:solidFill>
+              <a:prstClr val="black"/>
+            </a:solidFill>
+          </a:ln>
+        </p:spPr>
+        <p:txBody>
+          <a:bodyPr vert="horz" lIns="91440" tIns="45720" rIns="91440" bIns="45720" rtlCol="0" anchor="ctr"/>
+          <a:lstStyle/>
+          <a:p>
+            <a:endParaRPr lang="cs-CZ"/>
+          </a:p>
+        </p:txBody>
+      </p:sp>
+      <p:sp>
+        <p:nvSpPr>
+          <p:cNvPr id="5" name="Notes Placeholder 4"/>
+          <p:cNvSpPr>
+            <a:spLocks noGrp="1"/>
+          </p:cNvSpPr>
+          <p:nvPr>
+            <p:ph type="body" sz="quarter" idx="3"/>
+          </p:nvPr>
+        </p:nvSpPr>
+        <p:spPr>
+          <a:xfrm>
+            <a:off x="685800" y="4400550"/>
+            <a:ext cx="5486400" cy="3600450"/>
+          </a:xfrm>
+          <a:prstGeom prst="rect">
+            <a:avLst/>
+          </a:prstGeom>
+        </p:spPr>
+        <p:txBody>
+          <a:bodyPr vert="horz" lIns="91440" tIns="45720" rIns="91440" bIns="45720" rtlCol="0"/>
+          <a:lstStyle/>
+          <a:p>
+            <a:pPr lvl="0"/>
+            <a:r>
+              <a:rPr lang="en-US"/>
+              <a:t>Edit Master text styles</a:t>
+            </a:r>
+          </a:p>
+          <a:p>
+            <a:pPr lvl="1"/>
+            <a:r>
+              <a:rPr lang="en-US"/>
+              <a:t>Second level</a:t>
+            </a:r>
+          </a:p>
+          <a:p>
+            <a:pPr lvl="2"/>
+            <a:r>
+              <a:rPr lang="en-US"/>
+              <a:t>Third level</a:t>
+            </a:r>
+          </a:p>
+          <a:p>
+            <a:pPr lvl="3"/>
+            <a:r>
+              <a:rPr lang="en-US"/>
+              <a:t>Fourth level</a:t>
+            </a:r>
+          </a:p>
+          <a:p>
+            <a:pPr lvl="4"/>
+            <a:r>
+              <a:rPr lang="en-US"/>
+              <a:t>Fifth level</a:t>
+            </a:r>
+            <a:endParaRPr lang="cs-CZ"/>
+          </a:p>
+        </p:txBody>
+      </p:sp>
+      <p:sp>
+        <p:nvSpPr>
+          <p:cNvPr id="6" name="Footer Placeholder 5"/>
+          <p:cNvSpPr>
+            <a:spLocks noGrp="1"/>
+          </p:cNvSpPr>
+          <p:nvPr>
+            <p:ph type="ftr" sz="quarter" idx="4"/>
+          </p:nvPr>
+        </p:nvSpPr>
+        <p:spPr>
+          <a:xfrm>
+            <a:off x="0" y="8685213"/>
+            <a:ext cx="2971800" cy="458787"/>
+          </a:xfrm>
+          <a:prstGeom prst="rect">
+            <a:avLst/>
+          </a:prstGeom>
+        </p:spPr>
+        <p:txBody>
+          <a:bodyPr vert="horz" lIns="91440" tIns="45720" rIns="91440" bIns="45720" rtlCol="0" anchor="b"/>
+          <a:lstStyle>
+            <a:lvl1pPr algn="l">
+              <a:defRPr sz="1200"/>
+            </a:lvl1pPr>
+          </a:lstStyle>
+          <a:p>
+            <a:endParaRPr lang="cs-CZ"/>
+          </a:p>
+        </p:txBody>
+      </p:sp>
+      <p:sp>
+        <p:nvSpPr>
+          <p:cNvPr id="7" name="Slide Number Placeholder 6"/>
+          <p:cNvSpPr>
+            <a:spLocks noGrp="1"/>
+          </p:cNvSpPr>
+          <p:nvPr>
+            <p:ph type="sldNum" sz="quarter" idx="5"/>
+          </p:nvPr>
+        </p:nvSpPr>
+        <p:spPr>
+          <a:xfrm>
+            <a:off x="3884613" y="8685213"/>
+            <a:ext cx="2971800" cy="458787"/>
+          </a:xfrm>
+          <a:prstGeom prst="rect">
+            <a:avLst/>
+          </a:prstGeom>
+        </p:spPr>
+        <p:txBody>
+          <a:bodyPr vert="horz" lIns="91440" tIns="45720" rIns="91440" bIns="45720" rtlCol="0" anchor="b"/>
+          <a:lstStyle>
+            <a:lvl1pPr algn="r">
+              <a:defRPr sz="1200"/>
+            </a:lvl1pPr>
+          </a:lstStyle>
+          <a:p>
+            <a:fld id="{31381766-58CB-4C16-82BC-E7A45B3D8CA6}" type="slidenum">
+              <a:rPr lang="cs-CZ" smtClean="0"/>
+              <a:t>‹#›</a:t>
+            </a:fld>
+            <a:endParaRPr lang="cs-CZ"/>
+          </a:p>
+        </p:txBody>
+      </p:sp>
+    </p:spTree>
+    <p:extLst>
+      <p:ext uri="{BB962C8B-B14F-4D97-AF65-F5344CB8AC3E}">
+        <p14:creationId xmlns:p14="http://schemas.microsoft.com/office/powerpoint/2010/main" val="2354564992"/>
+      </p:ext>
+    </p:extLst>
+  </p:cSld>
+  <p:clrMap bg1="lt1" tx1="dk1" bg2="lt2" tx2="dk2" accent1="accent1" accent2="accent2" accent3="accent3" accent4="accent4" accent5="accent5" accent6="accent6" hlink="hlink" folHlink="folHlink"/>
+  <p:notesStyle>
+    <a:lvl1pPr marL="0" algn="l" defTabSz="914400" rtl="0" eaLnBrk="1" latinLnBrk="0" hangingPunct="1">
+      <a:defRPr sz="1200" kern="1200">
+        <a:solidFill>
+          <a:schemeClr val="tx1"/>
+        </a:solidFill>
+        <a:latin typeface="+mn-lt"/>
+        <a:ea typeface="+mn-ea"/>
+        <a:cs typeface="+mn-cs"/>
+      </a:defRPr>
+    </a:lvl1pPr>
+    <a:lvl2pPr marL="457200" algn="l" defTabSz="914400" rtl="0" eaLnBrk="1" latinLnBrk="0" hangingPunct="1">
+      <a:defRPr sz="1200" kern="1200">
+        <a:solidFill>
+          <a:schemeClr val="tx1"/>
+        </a:solidFill>
+        <a:latin typeface="+mn-lt"/>
+        <a:ea typeface="+mn-ea"/>
+        <a:cs typeface="+mn-cs"/>
+      </a:defRPr>
+    </a:lvl2pPr>
+    <a:lvl3pPr marL="914400" algn="l" defTabSz="914400" rtl="0" eaLnBrk="1" latinLnBrk="0" hangingPunct="1">
+      <a:defRPr sz="1200" kern="1200">
+        <a:solidFill>
+          <a:schemeClr val="tx1"/>
+        </a:solidFill>
+        <a:latin typeface="+mn-lt"/>
+        <a:ea typeface="+mn-ea"/>
+        <a:cs typeface="+mn-cs"/>
+      </a:defRPr>
+    </a:lvl3pPr>
+    <a:lvl4pPr marL="1371600" algn="l" defTabSz="914400" rtl="0" eaLnBrk="1" latinLnBrk="0" hangingPunct="1">
+      <a:defRPr sz="1200" kern="1200">
+        <a:solidFill>
+          <a:schemeClr val="tx1"/>
+        </a:solidFill>
+        <a:latin typeface="+mn-lt"/>
+        <a:ea typeface="+mn-ea"/>
+        <a:cs typeface="+mn-cs"/>
+      </a:defRPr>
+    </a:lvl4pPr>
+    <a:lvl5pPr marL="1828800" algn="l" defTabSz="914400" rtl="0" eaLnBrk="1" latinLnBrk="0" hangingPunct="1">
+      <a:defRPr sz="1200" kern="1200">
+        <a:solidFill>
+          <a:schemeClr val="tx1"/>
+        </a:solidFill>
+        <a:latin typeface="+mn-lt"/>
+        <a:ea typeface="+mn-ea"/>
+        <a:cs typeface="+mn-cs"/>
+      </a:defRPr>
+    </a:lvl5pPr>
+    <a:lvl6pPr marL="2286000" algn="l" defTabSz="914400" rtl="0" eaLnBrk="1" latinLnBrk="0" hangingPunct="1">
+      <a:defRPr sz="1200" kern="1200">
+        <a:solidFill>
+          <a:schemeClr val="tx1"/>
+        </a:solidFill>
+        <a:latin typeface="+mn-lt"/>
+        <a:ea typeface="+mn-ea"/>
+        <a:cs typeface="+mn-cs"/>
+      </a:defRPr>
+    </a:lvl6pPr>
+    <a:lvl7pPr marL="2743200" algn="l" defTabSz="914400" rtl="0" eaLnBrk="1" latinLnBrk="0" hangingPunct="1">
+      <a:defRPr sz="1200" kern="1200">
+        <a:solidFill>
+          <a:schemeClr val="tx1"/>
+        </a:solidFill>
+        <a:latin typeface="+mn-lt"/>
+        <a:ea typeface="+mn-ea"/>
+        <a:cs typeface="+mn-cs"/>
+      </a:defRPr>
+    </a:lvl7pPr>
+    <a:lvl8pPr marL="3200400" algn="l" defTabSz="914400" rtl="0" eaLnBrk="1" latinLnBrk="0" hangingPunct="1">
+      <a:defRPr sz="1200" kern="1200">
+        <a:solidFill>
+          <a:schemeClr val="tx1"/>
+        </a:solidFill>
+        <a:latin typeface="+mn-lt"/>
+        <a:ea typeface="+mn-ea"/>
+        <a:cs typeface="+mn-cs"/>
+      </a:defRPr>
+    </a:lvl8pPr>
+    <a:lvl9pPr marL="3657600" algn="l" defTabSz="914400" rtl="0" eaLnBrk="1" latinLnBrk="0" hangingPunct="1">
+      <a:defRPr sz="1200" kern="1200">
+        <a:solidFill>
+          <a:schemeClr val="tx1"/>
+        </a:solidFill>
+        <a:latin typeface="+mn-lt"/>
+        <a:ea typeface="+mn-ea"/>
+        <a:cs typeface="+mn-cs"/>
+      </a:defRPr>
+    </a:lvl9pPr>
+  </p:notesStyle>
+</p:notesMaster>
 </file>
 
 <file path=ppt/slideLayouts/slideLayout1.xml><?xml version="1.0" encoding="utf-8"?>
@@ -302,9 +665,9 @@
           <a:bodyPr/>
           <a:lstStyle/>
           <a:p>
-            <a:fld id="{4AAD347D-5ACD-4C99-B74B-A9C85AD731AF}" type="datetimeFigureOut">
-              <a:rPr lang="en-US" dirty="0"/>
-              <a:t>11/6/2017</a:t>
+            <a:fld id="{F1E3CE40-7460-4AB8-8A2E-BF40944BEC34}" type="datetime1">
+              <a:rPr lang="en-US" smtClean="0"/>
+              <a:t>11/14/2017</a:t>
             </a:fld>
             <a:endParaRPr lang="en-US" dirty="0"/>
           </a:p>
@@ -572,9 +935,9 @@
           <a:bodyPr/>
           <a:lstStyle/>
           <a:p>
-            <a:fld id="{4509A250-FF31-4206-8172-F9D3106AACB1}" type="datetimeFigureOut">
-              <a:rPr lang="en-US" dirty="0"/>
-              <a:t>11/6/2017</a:t>
+            <a:fld id="{B47EB780-163A-4B87-BEE3-A123714394C8}" type="datetime1">
+              <a:rPr lang="en-US" smtClean="0"/>
+              <a:t>11/14/2017</a:t>
             </a:fld>
             <a:endParaRPr lang="en-US" dirty="0"/>
           </a:p>
@@ -761,9 +1124,9 @@
           <a:bodyPr/>
           <a:lstStyle/>
           <a:p>
-            <a:fld id="{4509A250-FF31-4206-8172-F9D3106AACB1}" type="datetimeFigureOut">
-              <a:rPr lang="en-US" dirty="0"/>
-              <a:t>11/6/2017</a:t>
+            <a:fld id="{66C3DB2C-F05F-46A9-A040-E4C649BF65A1}" type="datetime1">
+              <a:rPr lang="en-US" smtClean="0"/>
+              <a:t>11/14/2017</a:t>
             </a:fld>
             <a:endParaRPr lang="en-US" dirty="0"/>
           </a:p>
@@ -1029,9 +1392,9 @@
           <a:bodyPr/>
           <a:lstStyle/>
           <a:p>
-            <a:fld id="{4509A250-FF31-4206-8172-F9D3106AACB1}" type="datetimeFigureOut">
-              <a:rPr lang="en-US" dirty="0"/>
-              <a:t>11/6/2017</a:t>
+            <a:fld id="{56089800-A308-48A6-98DA-104DF5DF76B9}" type="datetime1">
+              <a:rPr lang="en-US" smtClean="0"/>
+              <a:t>11/14/2017</a:t>
             </a:fld>
             <a:endParaRPr lang="en-US" dirty="0"/>
           </a:p>
@@ -1365,9 +1728,9 @@
           <a:bodyPr/>
           <a:lstStyle/>
           <a:p>
-            <a:fld id="{4509A250-FF31-4206-8172-F9D3106AACB1}" type="datetimeFigureOut">
-              <a:rPr lang="en-US" dirty="0"/>
-              <a:t>11/6/2017</a:t>
+            <a:fld id="{66A64E20-7F2A-4FBF-916C-F1A032CE4977}" type="datetime1">
+              <a:rPr lang="en-US" smtClean="0"/>
+              <a:t>11/14/2017</a:t>
             </a:fld>
             <a:endParaRPr lang="en-US" dirty="0"/>
           </a:p>
@@ -1983,9 +2346,9 @@
           <a:bodyPr/>
           <a:lstStyle/>
           <a:p>
-            <a:fld id="{4509A250-FF31-4206-8172-F9D3106AACB1}" type="datetimeFigureOut">
-              <a:rPr lang="en-US" dirty="0"/>
-              <a:t>11/6/2017</a:t>
+            <a:fld id="{6AEA53EF-5C96-4465-BFE4-DEB053E3DC40}" type="datetime1">
+              <a:rPr lang="en-US" smtClean="0"/>
+              <a:t>11/14/2017</a:t>
             </a:fld>
             <a:endParaRPr lang="en-US" dirty="0"/>
           </a:p>
@@ -2838,9 +3201,9 @@
           <a:bodyPr/>
           <a:lstStyle/>
           <a:p>
-            <a:fld id="{4509A250-FF31-4206-8172-F9D3106AACB1}" type="datetimeFigureOut">
-              <a:rPr lang="en-US" dirty="0"/>
-              <a:t>11/6/2017</a:t>
+            <a:fld id="{53516AEC-DC6C-4909-BCC6-185379F41D17}" type="datetime1">
+              <a:rPr lang="en-US" smtClean="0"/>
+              <a:t>11/14/2017</a:t>
             </a:fld>
             <a:endParaRPr lang="en-US" dirty="0"/>
           </a:p>
@@ -3003,9 +3366,9 @@
           <a:bodyPr/>
           <a:lstStyle/>
           <a:p>
-            <a:fld id="{4509A250-FF31-4206-8172-F9D3106AACB1}" type="datetimeFigureOut">
-              <a:rPr lang="en-US" dirty="0"/>
-              <a:t>11/6/2017</a:t>
+            <a:fld id="{91446C72-DAF2-49E4-9343-2E31334E05C9}" type="datetime1">
+              <a:rPr lang="en-US" smtClean="0"/>
+              <a:t>11/14/2017</a:t>
             </a:fld>
             <a:endParaRPr lang="en-US" dirty="0"/>
           </a:p>
@@ -3178,9 +3541,9 @@
           <a:bodyPr/>
           <a:lstStyle/>
           <a:p>
-            <a:fld id="{4509A250-FF31-4206-8172-F9D3106AACB1}" type="datetimeFigureOut">
-              <a:rPr lang="en-US" dirty="0"/>
-              <a:t>11/6/2017</a:t>
+            <a:fld id="{0F061634-12E3-4734-A58B-DD735A501AEC}" type="datetime1">
+              <a:rPr lang="en-US" smtClean="0"/>
+              <a:t>11/14/2017</a:t>
             </a:fld>
             <a:endParaRPr lang="en-US" dirty="0"/>
           </a:p>
@@ -3343,9 +3706,9 @@
           <a:bodyPr/>
           <a:lstStyle/>
           <a:p>
-            <a:fld id="{4509A250-FF31-4206-8172-F9D3106AACB1}" type="datetimeFigureOut">
-              <a:rPr lang="en-US" dirty="0"/>
-              <a:t>11/6/2017</a:t>
+            <a:fld id="{D9CD02C0-2E64-4A6A-8489-0215E3B9B834}" type="datetime1">
+              <a:rPr lang="en-US" smtClean="0"/>
+              <a:t>11/14/2017</a:t>
             </a:fld>
             <a:endParaRPr lang="en-US" dirty="0"/>
           </a:p>
@@ -3585,9 +3948,9 @@
           <a:bodyPr/>
           <a:lstStyle/>
           <a:p>
-            <a:fld id="{9796027F-7875-4030-9381-8BD8C4F21935}" type="datetimeFigureOut">
-              <a:rPr lang="en-US" dirty="0"/>
-              <a:t>11/6/2017</a:t>
+            <a:fld id="{B4A8F50F-9B53-4CC7-B8B8-4DF295661628}" type="datetime1">
+              <a:rPr lang="en-US" smtClean="0"/>
+              <a:t>11/14/2017</a:t>
             </a:fld>
             <a:endParaRPr lang="en-US" dirty="0"/>
           </a:p>
@@ -3872,9 +4235,9 @@
           <a:bodyPr/>
           <a:lstStyle/>
           <a:p>
-            <a:fld id="{9796027F-7875-4030-9381-8BD8C4F21935}" type="datetimeFigureOut">
-              <a:rPr lang="en-US" dirty="0"/>
-              <a:t>11/6/2017</a:t>
+            <a:fld id="{03A70A63-2164-40CA-A395-7FAE63C868F3}" type="datetime1">
+              <a:rPr lang="en-US" smtClean="0"/>
+              <a:t>11/14/2017</a:t>
             </a:fld>
             <a:endParaRPr lang="en-US" dirty="0"/>
           </a:p>
@@ -4311,9 +4674,9 @@
           <a:bodyPr/>
           <a:lstStyle/>
           <a:p>
-            <a:fld id="{9796027F-7875-4030-9381-8BD8C4F21935}" type="datetimeFigureOut">
-              <a:rPr lang="en-US" dirty="0"/>
-              <a:t>11/6/2017</a:t>
+            <a:fld id="{6BE95C58-FAF5-438C-9B20-E6F176A78770}" type="datetime1">
+              <a:rPr lang="en-US" smtClean="0"/>
+              <a:t>11/14/2017</a:t>
             </a:fld>
             <a:endParaRPr lang="en-US" dirty="0"/>
           </a:p>
@@ -4424,9 +4787,9 @@
           <a:bodyPr/>
           <a:lstStyle/>
           <a:p>
-            <a:fld id="{4509A250-FF31-4206-8172-F9D3106AACB1}" type="datetimeFigureOut">
-              <a:rPr lang="en-US" dirty="0"/>
-              <a:t>11/6/2017</a:t>
+            <a:fld id="{08C02852-B8F1-40B2-AD19-8D528408F93E}" type="datetime1">
+              <a:rPr lang="en-US" smtClean="0"/>
+              <a:t>11/14/2017</a:t>
             </a:fld>
             <a:endParaRPr lang="en-US" dirty="0"/>
           </a:p>
@@ -4514,9 +4877,9 @@
           <a:bodyPr/>
           <a:lstStyle/>
           <a:p>
-            <a:fld id="{4509A250-FF31-4206-8172-F9D3106AACB1}" type="datetimeFigureOut">
-              <a:rPr lang="en-US" dirty="0"/>
-              <a:t>11/6/2017</a:t>
+            <a:fld id="{995E9B4A-2789-4CA2-ACD5-4B266F76529F}" type="datetime1">
+              <a:rPr lang="en-US" smtClean="0"/>
+              <a:t>11/14/2017</a:t>
             </a:fld>
             <a:endParaRPr lang="en-US" dirty="0"/>
           </a:p>
@@ -4788,9 +5151,9 @@
           <a:bodyPr/>
           <a:lstStyle/>
           <a:p>
-            <a:fld id="{4509A250-FF31-4206-8172-F9D3106AACB1}" type="datetimeFigureOut">
-              <a:rPr lang="en-US" dirty="0"/>
-              <a:t>11/6/2017</a:t>
+            <a:fld id="{D52843FE-55B3-42C5-B298-8D03E8F23830}" type="datetime1">
+              <a:rPr lang="en-US" smtClean="0"/>
+              <a:t>11/14/2017</a:t>
             </a:fld>
             <a:endParaRPr lang="en-US" dirty="0"/>
           </a:p>
@@ -5058,9 +5421,9 @@
           <a:bodyPr/>
           <a:lstStyle/>
           <a:p>
-            <a:fld id="{4509A250-FF31-4206-8172-F9D3106AACB1}" type="datetimeFigureOut">
-              <a:rPr lang="en-US" dirty="0"/>
-              <a:t>11/6/2017</a:t>
+            <a:fld id="{6D5E6135-A0E5-4CA1-87CC-20300BE6D61A}" type="datetime1">
+              <a:rPr lang="en-US" smtClean="0"/>
+              <a:t>11/14/2017</a:t>
             </a:fld>
             <a:endParaRPr lang="en-US" dirty="0"/>
           </a:p>
@@ -5482,9 +5845,9 @@
             </a:lvl1pPr>
           </a:lstStyle>
           <a:p>
-            <a:fld id="{4AAD347D-5ACD-4C99-B74B-A9C85AD731AF}" type="datetimeFigureOut">
-              <a:rPr lang="en-US" dirty="0"/>
-              <a:t>11/6/2017</a:t>
+            <a:fld id="{1B7A7B05-B190-45E3-A72C-AC89951E557A}" type="datetime1">
+              <a:rPr lang="en-US" smtClean="0"/>
+              <a:t>11/14/2017</a:t>
             </a:fld>
             <a:endParaRPr lang="en-US" dirty="0"/>
           </a:p>
@@ -5591,7 +5954,7 @@
     <p:sldLayoutId id="2147483658" r:id="rId16"/>
     <p:sldLayoutId id="2147483659" r:id="rId17"/>
   </p:sldLayoutIdLst>
-  <p:hf sldNum="0" hdr="0" ftr="0" dt="0"/>
+  <p:hf hdr="0" ftr="0" dt="0"/>
   <p:txStyles>
     <p:titleStyle>
       <a:lvl1pPr algn="l" defTabSz="457200" rtl="0" eaLnBrk="1" latinLnBrk="0" hangingPunct="1">
@@ -6057,7 +6420,10 @@
           <a:bodyPr/>
           <a:lstStyle/>
           <a:p>
-            <a:endParaRPr lang="cs-CZ" dirty="0"/>
+            <a:r>
+              <a:rPr lang="cs-CZ" dirty="0"/>
+              <a:t>Miroslav liška</a:t>
+            </a:r>
           </a:p>
         </p:txBody>
       </p:sp>
@@ -6096,6 +6462,122 @@
           <p:cNvPr id="2" name="Title 1">
             <a:extLst>
               <a:ext uri="{FF2B5EF4-FFF2-40B4-BE49-F238E27FC236}">
+                <a16:creationId xmlns:a16="http://schemas.microsoft.com/office/drawing/2014/main" id="{7DFB7E38-D3BA-4EC0-B0FC-AFB64B88215E}"/>
+              </a:ext>
+            </a:extLst>
+          </p:cNvPr>
+          <p:cNvSpPr>
+            <a:spLocks noGrp="1"/>
+          </p:cNvSpPr>
+          <p:nvPr>
+            <p:ph type="title"/>
+          </p:nvPr>
+        </p:nvSpPr>
+        <p:spPr/>
+        <p:txBody>
+          <a:bodyPr/>
+          <a:lstStyle/>
+          <a:p>
+            <a:r>
+              <a:rPr lang="cs-CZ" dirty="0"/>
+              <a:t>SiSense.com ukázka</a:t>
+            </a:r>
+          </a:p>
+        </p:txBody>
+      </p:sp>
+      <p:pic>
+        <p:nvPicPr>
+          <p:cNvPr id="5" name="Content Placeholder 4">
+            <a:extLst>
+              <a:ext uri="{FF2B5EF4-FFF2-40B4-BE49-F238E27FC236}">
+                <a16:creationId xmlns:a16="http://schemas.microsoft.com/office/drawing/2014/main" id="{4E19CCF3-2A68-4328-9A71-2F519153EABF}"/>
+              </a:ext>
+            </a:extLst>
+          </p:cNvPr>
+          <p:cNvPicPr>
+            <a:picLocks noGrp="1" noChangeAspect="1"/>
+          </p:cNvPicPr>
+          <p:nvPr>
+            <p:ph idx="1"/>
+          </p:nvPr>
+        </p:nvPicPr>
+        <p:blipFill>
+          <a:blip r:embed="rId2"/>
+          <a:stretch>
+            <a:fillRect/>
+          </a:stretch>
+        </p:blipFill>
+        <p:spPr>
+          <a:xfrm>
+            <a:off x="3248471" y="1297931"/>
+            <a:ext cx="5494476" cy="4950469"/>
+          </a:xfrm>
+        </p:spPr>
+      </p:pic>
+      <p:sp>
+        <p:nvSpPr>
+          <p:cNvPr id="6" name="Slide Number Placeholder 5">
+            <a:extLst>
+              <a:ext uri="{FF2B5EF4-FFF2-40B4-BE49-F238E27FC236}">
+                <a16:creationId xmlns:a16="http://schemas.microsoft.com/office/drawing/2014/main" id="{AAB94555-078B-43F7-A9B9-D0464EAF775B}"/>
+              </a:ext>
+            </a:extLst>
+          </p:cNvPr>
+          <p:cNvSpPr>
+            <a:spLocks noGrp="1"/>
+          </p:cNvSpPr>
+          <p:nvPr>
+            <p:ph type="sldNum" sz="quarter" idx="12"/>
+          </p:nvPr>
+        </p:nvSpPr>
+        <p:spPr/>
+        <p:txBody>
+          <a:bodyPr/>
+          <a:lstStyle/>
+          <a:p>
+            <a:r>
+              <a:rPr lang="cs-CZ" sz="1800" dirty="0"/>
+              <a:t>10/13</a:t>
+            </a:r>
+            <a:endParaRPr lang="en-US" sz="1800" dirty="0"/>
+          </a:p>
+        </p:txBody>
+      </p:sp>
+    </p:spTree>
+    <p:extLst>
+      <p:ext uri="{BB962C8B-B14F-4D97-AF65-F5344CB8AC3E}">
+        <p14:creationId xmlns:p14="http://schemas.microsoft.com/office/powerpoint/2010/main" val="3037924713"/>
+      </p:ext>
+    </p:extLst>
+  </p:cSld>
+  <p:clrMapOvr>
+    <a:masterClrMapping/>
+  </p:clrMapOvr>
+</p:sld>
+</file>
+
+<file path=ppt/slides/slide11.xml><?xml version="1.0" encoding="utf-8"?>
+<p:sld xmlns:a="http://schemas.openxmlformats.org/drawingml/2006/main" xmlns:r="http://schemas.openxmlformats.org/officeDocument/2006/relationships" xmlns:p="http://schemas.openxmlformats.org/presentationml/2006/main">
+  <p:cSld>
+    <p:spTree>
+      <p:nvGrpSpPr>
+        <p:cNvPr id="1" name=""/>
+        <p:cNvGrpSpPr/>
+        <p:nvPr/>
+      </p:nvGrpSpPr>
+      <p:grpSpPr>
+        <a:xfrm>
+          <a:off x="0" y="0"/>
+          <a:ext cx="0" cy="0"/>
+          <a:chOff x="0" y="0"/>
+          <a:chExt cx="0" cy="0"/>
+        </a:xfrm>
+      </p:grpSpPr>
+      <p:sp>
+        <p:nvSpPr>
+          <p:cNvPr id="2" name="Title 1">
+            <a:extLst>
+              <a:ext uri="{FF2B5EF4-FFF2-40B4-BE49-F238E27FC236}">
                 <a16:creationId xmlns:a16="http://schemas.microsoft.com/office/drawing/2014/main" id="{6DB53A1B-D0FC-4166-9DA3-32B746E453DB}"/>
               </a:ext>
             </a:extLst>
@@ -6232,119 +6714,39 @@
           </a:prstGeom>
         </p:spPr>
       </p:pic>
+      <p:sp>
+        <p:nvSpPr>
+          <p:cNvPr id="4" name="Slide Number Placeholder 3">
+            <a:extLst>
+              <a:ext uri="{FF2B5EF4-FFF2-40B4-BE49-F238E27FC236}">
+                <a16:creationId xmlns:a16="http://schemas.microsoft.com/office/drawing/2014/main" id="{84082023-EA28-432B-8FF4-3FDB0FCA5612}"/>
+              </a:ext>
+            </a:extLst>
+          </p:cNvPr>
+          <p:cNvSpPr>
+            <a:spLocks noGrp="1"/>
+          </p:cNvSpPr>
+          <p:nvPr>
+            <p:ph type="sldNum" sz="quarter" idx="12"/>
+          </p:nvPr>
+        </p:nvSpPr>
+        <p:spPr/>
+        <p:txBody>
+          <a:bodyPr/>
+          <a:lstStyle/>
+          <a:p>
+            <a:r>
+              <a:rPr lang="cs-CZ" sz="1800" dirty="0"/>
+              <a:t>11/13</a:t>
+            </a:r>
+            <a:endParaRPr lang="en-US" sz="1800" dirty="0"/>
+          </a:p>
+        </p:txBody>
+      </p:sp>
     </p:spTree>
     <p:extLst>
       <p:ext uri="{BB962C8B-B14F-4D97-AF65-F5344CB8AC3E}">
         <p14:creationId xmlns:p14="http://schemas.microsoft.com/office/powerpoint/2010/main" val="2668490197"/>
-      </p:ext>
-    </p:extLst>
-  </p:cSld>
-  <p:clrMapOvr>
-    <a:masterClrMapping/>
-  </p:clrMapOvr>
-</p:sld>
-</file>
-
-<file path=ppt/slides/slide11.xml><?xml version="1.0" encoding="utf-8"?>
-<p:sld xmlns:a="http://schemas.openxmlformats.org/drawingml/2006/main" xmlns:r="http://schemas.openxmlformats.org/officeDocument/2006/relationships" xmlns:p="http://schemas.openxmlformats.org/presentationml/2006/main">
-  <p:cSld>
-    <p:spTree>
-      <p:nvGrpSpPr>
-        <p:cNvPr id="1" name=""/>
-        <p:cNvGrpSpPr/>
-        <p:nvPr/>
-      </p:nvGrpSpPr>
-      <p:grpSpPr>
-        <a:xfrm>
-          <a:off x="0" y="0"/>
-          <a:ext cx="0" cy="0"/>
-          <a:chOff x="0" y="0"/>
-          <a:chExt cx="0" cy="0"/>
-        </a:xfrm>
-      </p:grpSpPr>
-      <p:sp>
-        <p:nvSpPr>
-          <p:cNvPr id="2" name="Title 1">
-            <a:extLst>
-              <a:ext uri="{FF2B5EF4-FFF2-40B4-BE49-F238E27FC236}">
-                <a16:creationId xmlns:a16="http://schemas.microsoft.com/office/drawing/2014/main" id="{9A2B3C13-3717-4633-9D76-4130B3007185}"/>
-              </a:ext>
-            </a:extLst>
-          </p:cNvPr>
-          <p:cNvSpPr>
-            <a:spLocks noGrp="1"/>
-          </p:cNvSpPr>
-          <p:nvPr>
-            <p:ph type="title"/>
-          </p:nvPr>
-        </p:nvSpPr>
-        <p:spPr/>
-        <p:txBody>
-          <a:bodyPr/>
-          <a:lstStyle/>
-          <a:p>
-            <a:r>
-              <a:rPr lang="cs-CZ" dirty="0"/>
-              <a:t>Shrnutí</a:t>
-            </a:r>
-          </a:p>
-        </p:txBody>
-      </p:sp>
-      <p:sp>
-        <p:nvSpPr>
-          <p:cNvPr id="3" name="Content Placeholder 2">
-            <a:extLst>
-              <a:ext uri="{FF2B5EF4-FFF2-40B4-BE49-F238E27FC236}">
-                <a16:creationId xmlns:a16="http://schemas.microsoft.com/office/drawing/2014/main" id="{7B8B4C83-61D1-449C-AA69-508DA21E2B03}"/>
-              </a:ext>
-            </a:extLst>
-          </p:cNvPr>
-          <p:cNvSpPr>
-            <a:spLocks noGrp="1"/>
-          </p:cNvSpPr>
-          <p:nvPr>
-            <p:ph idx="1"/>
-          </p:nvPr>
-        </p:nvSpPr>
-        <p:spPr/>
-        <p:txBody>
-          <a:bodyPr/>
-          <a:lstStyle/>
-          <a:p>
-            <a:r>
-              <a:rPr lang="cs-CZ" dirty="0"/>
-              <a:t>Všechny systémy podporují CSV</a:t>
-            </a:r>
-          </a:p>
-          <a:p>
-            <a:r>
-              <a:rPr lang="cs-CZ" dirty="0"/>
-              <a:t>Filtrovaní a interakce dashboardů DataPine.com a SiSense.com</a:t>
-            </a:r>
-          </a:p>
-          <a:p>
-            <a:pPr lvl="1"/>
-            <a:r>
-              <a:rPr lang="cs-CZ" dirty="0"/>
-              <a:t>Mají i vlastní webový tutoriál</a:t>
-            </a:r>
-          </a:p>
-          <a:p>
-            <a:pPr lvl="1"/>
-            <a:r>
-              <a:rPr lang="cs-CZ" dirty="0"/>
-              <a:t>Nevýhodou je podstatně vyšší cena</a:t>
-            </a:r>
-          </a:p>
-          <a:p>
-            <a:endParaRPr lang="cs-CZ" dirty="0"/>
-          </a:p>
-        </p:txBody>
-      </p:sp>
-    </p:spTree>
-    <p:extLst>
-      <p:ext uri="{BB962C8B-B14F-4D97-AF65-F5344CB8AC3E}">
-        <p14:creationId xmlns:p14="http://schemas.microsoft.com/office/powerpoint/2010/main" val="91915603"/>
       </p:ext>
     </p:extLst>
   </p:cSld>
@@ -6376,6 +6778,148 @@
           <p:cNvPr id="2" name="Title 1">
             <a:extLst>
               <a:ext uri="{FF2B5EF4-FFF2-40B4-BE49-F238E27FC236}">
+                <a16:creationId xmlns:a16="http://schemas.microsoft.com/office/drawing/2014/main" id="{9A2B3C13-3717-4633-9D76-4130B3007185}"/>
+              </a:ext>
+            </a:extLst>
+          </p:cNvPr>
+          <p:cNvSpPr>
+            <a:spLocks noGrp="1"/>
+          </p:cNvSpPr>
+          <p:nvPr>
+            <p:ph type="title"/>
+          </p:nvPr>
+        </p:nvSpPr>
+        <p:spPr/>
+        <p:txBody>
+          <a:bodyPr/>
+          <a:lstStyle/>
+          <a:p>
+            <a:r>
+              <a:rPr lang="cs-CZ" dirty="0"/>
+              <a:t>Shrnutí</a:t>
+            </a:r>
+          </a:p>
+        </p:txBody>
+      </p:sp>
+      <p:sp>
+        <p:nvSpPr>
+          <p:cNvPr id="3" name="Content Placeholder 2">
+            <a:extLst>
+              <a:ext uri="{FF2B5EF4-FFF2-40B4-BE49-F238E27FC236}">
+                <a16:creationId xmlns:a16="http://schemas.microsoft.com/office/drawing/2014/main" id="{7B8B4C83-61D1-449C-AA69-508DA21E2B03}"/>
+              </a:ext>
+            </a:extLst>
+          </p:cNvPr>
+          <p:cNvSpPr>
+            <a:spLocks noGrp="1"/>
+          </p:cNvSpPr>
+          <p:nvPr>
+            <p:ph idx="1"/>
+          </p:nvPr>
+        </p:nvSpPr>
+        <p:spPr/>
+        <p:txBody>
+          <a:bodyPr/>
+          <a:lstStyle/>
+          <a:p>
+            <a:r>
+              <a:rPr lang="cs-CZ" dirty="0"/>
+              <a:t>Všechny systémy podporují CSV</a:t>
+            </a:r>
+          </a:p>
+          <a:p>
+            <a:r>
+              <a:rPr lang="cs-CZ" dirty="0"/>
+              <a:t>Filtrovaní a interakce dashboardů DataPine.com a SiSense.com</a:t>
+            </a:r>
+          </a:p>
+          <a:p>
+            <a:pPr lvl="1"/>
+            <a:r>
+              <a:rPr lang="cs-CZ" dirty="0"/>
+              <a:t>Mají i vlastní webový tutoriál</a:t>
+            </a:r>
+          </a:p>
+          <a:p>
+            <a:pPr lvl="1"/>
+            <a:r>
+              <a:rPr lang="cs-CZ" dirty="0"/>
+              <a:t>Nevýhodou je podstatně vyšší cena</a:t>
+            </a:r>
+          </a:p>
+          <a:p>
+            <a:endParaRPr lang="cs-CZ" dirty="0"/>
+          </a:p>
+        </p:txBody>
+      </p:sp>
+      <p:sp>
+        <p:nvSpPr>
+          <p:cNvPr id="4" name="Slide Number Placeholder 3">
+            <a:extLst>
+              <a:ext uri="{FF2B5EF4-FFF2-40B4-BE49-F238E27FC236}">
+                <a16:creationId xmlns:a16="http://schemas.microsoft.com/office/drawing/2014/main" id="{1739DCDB-F0E1-4749-AD67-67BC9D011400}"/>
+              </a:ext>
+            </a:extLst>
+          </p:cNvPr>
+          <p:cNvSpPr>
+            <a:spLocks noGrp="1"/>
+          </p:cNvSpPr>
+          <p:nvPr>
+            <p:ph type="sldNum" sz="quarter" idx="12"/>
+          </p:nvPr>
+        </p:nvSpPr>
+        <p:spPr/>
+        <p:txBody>
+          <a:bodyPr/>
+          <a:lstStyle/>
+          <a:p>
+            <a:fld id="{D57F1E4F-1CFF-5643-939E-02111984F565}" type="slidenum">
+              <a:rPr lang="en-US" sz="1800" smtClean="0"/>
+              <a:t>12</a:t>
+            </a:fld>
+            <a:r>
+              <a:rPr lang="cs-CZ" sz="1800" dirty="0"/>
+              <a:t>/13</a:t>
+            </a:r>
+            <a:endParaRPr lang="en-US" dirty="0"/>
+          </a:p>
+        </p:txBody>
+      </p:sp>
+    </p:spTree>
+    <p:extLst>
+      <p:ext uri="{BB962C8B-B14F-4D97-AF65-F5344CB8AC3E}">
+        <p14:creationId xmlns:p14="http://schemas.microsoft.com/office/powerpoint/2010/main" val="91915603"/>
+      </p:ext>
+    </p:extLst>
+  </p:cSld>
+  <p:clrMapOvr>
+    <a:masterClrMapping/>
+  </p:clrMapOvr>
+</p:sld>
+</file>
+
+<file path=ppt/slides/slide13.xml><?xml version="1.0" encoding="utf-8"?>
+<p:sld xmlns:a="http://schemas.openxmlformats.org/drawingml/2006/main" xmlns:r="http://schemas.openxmlformats.org/officeDocument/2006/relationships" xmlns:p="http://schemas.openxmlformats.org/presentationml/2006/main">
+  <p:cSld>
+    <p:spTree>
+      <p:nvGrpSpPr>
+        <p:cNvPr id="1" name=""/>
+        <p:cNvGrpSpPr/>
+        <p:nvPr/>
+      </p:nvGrpSpPr>
+      <p:grpSpPr>
+        <a:xfrm>
+          <a:off x="0" y="0"/>
+          <a:ext cx="0" cy="0"/>
+          <a:chOff x="0" y="0"/>
+          <a:chExt cx="0" cy="0"/>
+        </a:xfrm>
+      </p:grpSpPr>
+      <p:sp>
+        <p:nvSpPr>
+          <p:cNvPr id="2" name="Title 1">
+            <a:extLst>
+              <a:ext uri="{FF2B5EF4-FFF2-40B4-BE49-F238E27FC236}">
                 <a16:creationId xmlns:a16="http://schemas.microsoft.com/office/drawing/2014/main" id="{235E3DB3-E0F4-4E61-AB88-47B2F3EBC3BF}"/>
               </a:ext>
             </a:extLst>
@@ -6387,16 +6931,20 @@
             <p:ph type="title"/>
           </p:nvPr>
         </p:nvSpPr>
-        <p:spPr/>
-        <p:txBody>
-          <a:bodyPr/>
-          <a:lstStyle/>
-          <a:p>
-            <a:r>
-              <a:rPr lang="cs-CZ"/>
+        <p:spPr>
+          <a:xfrm>
+            <a:off x="645130" y="2750128"/>
+            <a:ext cx="9404723" cy="1400530"/>
+          </a:xfrm>
+        </p:spPr>
+        <p:txBody>
+          <a:bodyPr/>
+          <a:lstStyle/>
+          <a:p>
+            <a:r>
+              <a:rPr lang="cs-CZ" dirty="0"/>
               <a:t>Děkuji za pozornost</a:t>
             </a:r>
-            <a:endParaRPr lang="cs-CZ" dirty="0"/>
           </a:p>
         </p:txBody>
       </p:sp>
@@ -6422,6 +6970,39 @@
           <a:lstStyle/>
           <a:p>
             <a:endParaRPr lang="cs-CZ" dirty="0"/>
+          </a:p>
+        </p:txBody>
+      </p:sp>
+      <p:sp>
+        <p:nvSpPr>
+          <p:cNvPr id="4" name="Slide Number Placeholder 3">
+            <a:extLst>
+              <a:ext uri="{FF2B5EF4-FFF2-40B4-BE49-F238E27FC236}">
+                <a16:creationId xmlns:a16="http://schemas.microsoft.com/office/drawing/2014/main" id="{A32CC806-BA67-479F-96D6-508529D60967}"/>
+              </a:ext>
+            </a:extLst>
+          </p:cNvPr>
+          <p:cNvSpPr>
+            <a:spLocks noGrp="1"/>
+          </p:cNvSpPr>
+          <p:nvPr>
+            <p:ph type="sldNum" sz="quarter" idx="12"/>
+          </p:nvPr>
+        </p:nvSpPr>
+        <p:spPr/>
+        <p:txBody>
+          <a:bodyPr/>
+          <a:lstStyle/>
+          <a:p>
+            <a:fld id="{D57F1E4F-1CFF-5643-939E-02111984F565}" type="slidenum">
+              <a:rPr lang="en-US" sz="1800" smtClean="0"/>
+              <a:t>13</a:t>
+            </a:fld>
+            <a:r>
+              <a:rPr lang="cs-CZ" sz="1800" dirty="0"/>
+              <a:t>/13</a:t>
+            </a:r>
+            <a:endParaRPr lang="en-US" sz="1800" dirty="0"/>
           </a:p>
         </p:txBody>
       </p:sp>
@@ -6549,6 +7130,39 @@
           </a:p>
         </p:txBody>
       </p:sp>
+      <p:sp>
+        <p:nvSpPr>
+          <p:cNvPr id="4" name="Slide Number Placeholder 3">
+            <a:extLst>
+              <a:ext uri="{FF2B5EF4-FFF2-40B4-BE49-F238E27FC236}">
+                <a16:creationId xmlns:a16="http://schemas.microsoft.com/office/drawing/2014/main" id="{84743FF4-7827-4196-B091-B4DD8DE09008}"/>
+              </a:ext>
+            </a:extLst>
+          </p:cNvPr>
+          <p:cNvSpPr>
+            <a:spLocks noGrp="1"/>
+          </p:cNvSpPr>
+          <p:nvPr>
+            <p:ph type="sldNum" sz="quarter" idx="12"/>
+          </p:nvPr>
+        </p:nvSpPr>
+        <p:spPr/>
+        <p:txBody>
+          <a:bodyPr/>
+          <a:lstStyle/>
+          <a:p>
+            <a:fld id="{D57F1E4F-1CFF-5643-939E-02111984F565}" type="slidenum">
+              <a:rPr lang="en-US" sz="1800" smtClean="0"/>
+              <a:t>2</a:t>
+            </a:fld>
+            <a:r>
+              <a:rPr lang="cs-CZ" sz="1800" dirty="0"/>
+              <a:t>/13</a:t>
+            </a:r>
+            <a:endParaRPr lang="en-US" sz="1800" dirty="0"/>
+          </a:p>
+        </p:txBody>
+      </p:sp>
     </p:spTree>
     <p:extLst>
       <p:ext uri="{BB962C8B-B14F-4D97-AF65-F5344CB8AC3E}">
@@ -6652,6 +7266,35 @@
           </a:effectLst>
         </p:spPr>
       </p:pic>
+      <p:sp>
+        <p:nvSpPr>
+          <p:cNvPr id="3" name="Slide Number Placeholder 2">
+            <a:extLst>
+              <a:ext uri="{FF2B5EF4-FFF2-40B4-BE49-F238E27FC236}">
+                <a16:creationId xmlns:a16="http://schemas.microsoft.com/office/drawing/2014/main" id="{5C63A9E7-6E94-4362-A66D-2416CDBB2EAE}"/>
+              </a:ext>
+            </a:extLst>
+          </p:cNvPr>
+          <p:cNvSpPr>
+            <a:spLocks noGrp="1"/>
+          </p:cNvSpPr>
+          <p:nvPr>
+            <p:ph type="sldNum" sz="quarter" idx="12"/>
+          </p:nvPr>
+        </p:nvSpPr>
+        <p:spPr/>
+        <p:txBody>
+          <a:bodyPr/>
+          <a:lstStyle/>
+          <a:p>
+            <a:r>
+              <a:rPr lang="cs-CZ" sz="1800" dirty="0"/>
+              <a:t>3/13</a:t>
+            </a:r>
+            <a:endParaRPr lang="en-US" sz="1800" dirty="0"/>
+          </a:p>
+        </p:txBody>
+      </p:sp>
     </p:spTree>
     <p:extLst>
       <p:ext uri="{BB962C8B-B14F-4D97-AF65-F5344CB8AC3E}">
@@ -6729,7 +7372,7 @@
         <p:spPr/>
         <p:txBody>
           <a:bodyPr>
-            <a:normAutofit lnSpcReduction="10000"/>
+            <a:normAutofit/>
           </a:bodyPr>
           <a:lstStyle/>
           <a:p>
@@ -6753,13 +7396,7 @@
           <a:p>
             <a:r>
               <a:rPr lang="cs-CZ" dirty="0"/>
-              <a:t>Prostředky pro vizualizaci víceméně totožné</a:t>
-            </a:r>
-          </a:p>
-          <a:p>
-            <a:r>
-              <a:rPr lang="cs-CZ" dirty="0"/>
-              <a:t>Filtrování či provázanost dashboardů není standartem</a:t>
+              <a:t>Filtrování standartem</a:t>
             </a:r>
           </a:p>
           <a:p>
@@ -6798,6 +7435,39 @@
           <a:p>
             <a:pPr lvl="1"/>
             <a:endParaRPr lang="cs-CZ" dirty="0"/>
+          </a:p>
+        </p:txBody>
+      </p:sp>
+      <p:sp>
+        <p:nvSpPr>
+          <p:cNvPr id="4" name="Slide Number Placeholder 3">
+            <a:extLst>
+              <a:ext uri="{FF2B5EF4-FFF2-40B4-BE49-F238E27FC236}">
+                <a16:creationId xmlns:a16="http://schemas.microsoft.com/office/drawing/2014/main" id="{D494BAA3-D7DA-4687-846D-35052AFB5956}"/>
+              </a:ext>
+            </a:extLst>
+          </p:cNvPr>
+          <p:cNvSpPr>
+            <a:spLocks noGrp="1"/>
+          </p:cNvSpPr>
+          <p:nvPr>
+            <p:ph type="sldNum" sz="quarter" idx="12"/>
+          </p:nvPr>
+        </p:nvSpPr>
+        <p:spPr/>
+        <p:txBody>
+          <a:bodyPr/>
+          <a:lstStyle/>
+          <a:p>
+            <a:fld id="{D57F1E4F-1CFF-5643-939E-02111984F565}" type="slidenum">
+              <a:rPr lang="en-US" sz="1800" smtClean="0"/>
+              <a:t>4</a:t>
+            </a:fld>
+            <a:r>
+              <a:rPr lang="cs-CZ" sz="1800" dirty="0"/>
+              <a:t>/13</a:t>
+            </a:r>
+            <a:endParaRPr lang="en-US" sz="1800" dirty="0"/>
           </a:p>
         </p:txBody>
       </p:sp>
@@ -6881,9 +7551,10 @@
           <a:lstStyle/>
           <a:p>
             <a:r>
-              <a:rPr lang="cs-CZ" dirty="0"/>
-              <a:t>Neumožňuje filtrování, žádná provázanost dashboardů</a:t>
-            </a:r>
+              <a:rPr lang="cs-CZ"/>
+              <a:t>Neumožňuje filtrování</a:t>
+            </a:r>
+            <a:endParaRPr lang="cs-CZ" dirty="0"/>
           </a:p>
           <a:p>
             <a:r>
@@ -6946,6 +7617,65 @@
               <a:rPr lang="cs-CZ" dirty="0"/>
               <a:t>ěsíc</a:t>
             </a:r>
+          </a:p>
+        </p:txBody>
+      </p:sp>
+      <p:pic>
+        <p:nvPicPr>
+          <p:cNvPr id="6" name="Picture 5">
+            <a:extLst>
+              <a:ext uri="{FF2B5EF4-FFF2-40B4-BE49-F238E27FC236}">
+                <a16:creationId xmlns:a16="http://schemas.microsoft.com/office/drawing/2014/main" id="{DB1189C7-0DD5-4043-9A92-861CBC91AC17}"/>
+              </a:ext>
+            </a:extLst>
+          </p:cNvPr>
+          <p:cNvPicPr>
+            <a:picLocks noChangeAspect="1"/>
+          </p:cNvPicPr>
+          <p:nvPr/>
+        </p:nvPicPr>
+        <p:blipFill>
+          <a:blip r:embed="rId2"/>
+          <a:stretch>
+            <a:fillRect/>
+          </a:stretch>
+        </p:blipFill>
+        <p:spPr>
+          <a:xfrm>
+            <a:off x="6769768" y="2423104"/>
+            <a:ext cx="4138863" cy="2127223"/>
+          </a:xfrm>
+          <a:prstGeom prst="rect">
+            <a:avLst/>
+          </a:prstGeom>
+        </p:spPr>
+      </p:pic>
+      <p:sp>
+        <p:nvSpPr>
+          <p:cNvPr id="7" name="Slide Number Placeholder 6">
+            <a:extLst>
+              <a:ext uri="{FF2B5EF4-FFF2-40B4-BE49-F238E27FC236}">
+                <a16:creationId xmlns:a16="http://schemas.microsoft.com/office/drawing/2014/main" id="{390C2546-BA1B-409D-B0D4-8C3D621BE234}"/>
+              </a:ext>
+            </a:extLst>
+          </p:cNvPr>
+          <p:cNvSpPr>
+            <a:spLocks noGrp="1"/>
+          </p:cNvSpPr>
+          <p:nvPr>
+            <p:ph type="sldNum" sz="quarter" idx="12"/>
+          </p:nvPr>
+        </p:nvSpPr>
+        <p:spPr/>
+        <p:txBody>
+          <a:bodyPr/>
+          <a:lstStyle/>
+          <a:p>
+            <a:r>
+              <a:rPr lang="cs-CZ" sz="1800" dirty="0"/>
+              <a:t>5/13</a:t>
+            </a:r>
+            <a:endParaRPr lang="en-US" sz="1800" dirty="0"/>
           </a:p>
         </p:txBody>
       </p:sp>
@@ -7085,6 +7815,69 @@
           </a:p>
         </p:txBody>
       </p:sp>
+      <p:pic>
+        <p:nvPicPr>
+          <p:cNvPr id="5" name="Picture 4">
+            <a:extLst>
+              <a:ext uri="{FF2B5EF4-FFF2-40B4-BE49-F238E27FC236}">
+                <a16:creationId xmlns:a16="http://schemas.microsoft.com/office/drawing/2014/main" id="{9F2C3FBC-4530-4BA3-8777-D734ADA8A929}"/>
+              </a:ext>
+            </a:extLst>
+          </p:cNvPr>
+          <p:cNvPicPr>
+            <a:picLocks noChangeAspect="1"/>
+          </p:cNvPicPr>
+          <p:nvPr/>
+        </p:nvPicPr>
+        <p:blipFill>
+          <a:blip r:embed="rId2"/>
+          <a:stretch>
+            <a:fillRect/>
+          </a:stretch>
+        </p:blipFill>
+        <p:spPr>
+          <a:xfrm>
+            <a:off x="7491431" y="3019069"/>
+            <a:ext cx="4411811" cy="3429000"/>
+          </a:xfrm>
+          <a:prstGeom prst="rect">
+            <a:avLst/>
+          </a:prstGeom>
+        </p:spPr>
+      </p:pic>
+      <p:sp>
+        <p:nvSpPr>
+          <p:cNvPr id="6" name="Slide Number Placeholder 5">
+            <a:extLst>
+              <a:ext uri="{FF2B5EF4-FFF2-40B4-BE49-F238E27FC236}">
+                <a16:creationId xmlns:a16="http://schemas.microsoft.com/office/drawing/2014/main" id="{44E05884-59CA-41EE-8658-DF6A19E7FF6C}"/>
+              </a:ext>
+            </a:extLst>
+          </p:cNvPr>
+          <p:cNvSpPr>
+            <a:spLocks noGrp="1"/>
+          </p:cNvSpPr>
+          <p:nvPr>
+            <p:ph type="sldNum" sz="quarter" idx="12"/>
+          </p:nvPr>
+        </p:nvSpPr>
+        <p:spPr/>
+        <p:txBody>
+          <a:bodyPr/>
+          <a:lstStyle/>
+          <a:p>
+            <a:fld id="{D57F1E4F-1CFF-5643-939E-02111984F565}" type="slidenum">
+              <a:rPr lang="en-US" sz="1800" smtClean="0"/>
+              <a:t>6</a:t>
+            </a:fld>
+            <a:r>
+              <a:rPr lang="cs-CZ" sz="1800" dirty="0"/>
+              <a:t>/13</a:t>
+            </a:r>
+            <a:endParaRPr lang="en-US" sz="2400" dirty="0"/>
+          </a:p>
+        </p:txBody>
+      </p:sp>
     </p:spTree>
     <p:extLst>
       <p:ext uri="{BB962C8B-B14F-4D97-AF65-F5344CB8AC3E}">
@@ -7162,7 +7955,7 @@
         <p:spPr/>
         <p:txBody>
           <a:bodyPr>
-            <a:normAutofit lnSpcReduction="10000"/>
+            <a:normAutofit/>
           </a:bodyPr>
           <a:lstStyle/>
           <a:p>
@@ -7174,11 +7967,10 @@
           <a:p>
             <a:r>
               <a:rPr lang="cs-CZ" dirty="0"/>
-              <a:t>Možnost filtrování dat kliknutím na zkoumaný element (např. Kliknutí na muži se dashboard přepočítá a zobrazí se data pouze s muži)</a:t>
-            </a:r>
-          </a:p>
-          <a:p>
-            <a:pPr lvl="1"/>
+              <a:t>Filtrování (prokliknutím, vytvoření vlastního filtru)</a:t>
+            </a:r>
+          </a:p>
+          <a:p>
             <a:r>
               <a:rPr lang="cs-CZ" dirty="0"/>
               <a:t>Navíc po nahrání dat je možné přímo v aplikaci používat SQL dotazy a výsledky následně snadno zvizualizovat</a:t>
@@ -7235,6 +8027,40 @@
           </a:p>
           <a:p>
             <a:endParaRPr lang="cs-CZ" dirty="0"/>
+          </a:p>
+        </p:txBody>
+      </p:sp>
+      <p:sp>
+        <p:nvSpPr>
+          <p:cNvPr id="4" name="Slide Number Placeholder 3">
+            <a:extLst>
+              <a:ext uri="{FF2B5EF4-FFF2-40B4-BE49-F238E27FC236}">
+                <a16:creationId xmlns:a16="http://schemas.microsoft.com/office/drawing/2014/main" id="{5E54F0EB-7BC0-471C-9554-D0A80AA7F082}"/>
+              </a:ext>
+            </a:extLst>
+          </p:cNvPr>
+          <p:cNvSpPr>
+            <a:spLocks noGrp="1"/>
+          </p:cNvSpPr>
+          <p:nvPr>
+            <p:ph type="sldNum" sz="quarter" idx="12"/>
+          </p:nvPr>
+        </p:nvSpPr>
+        <p:spPr/>
+        <p:txBody>
+          <a:bodyPr/>
+          <a:lstStyle/>
+          <a:p>
+            <a:fld id="{D57F1E4F-1CFF-5643-939E-02111984F565}" type="slidenum">
+              <a:rPr lang="en-US" sz="1800"/>
+              <a:pPr/>
+              <a:t>7</a:t>
+            </a:fld>
+            <a:r>
+              <a:rPr lang="cs-CZ" sz="1800" dirty="0"/>
+              <a:t>/13</a:t>
+            </a:r>
+            <a:endParaRPr lang="en-US" sz="1800" dirty="0"/>
           </a:p>
         </p:txBody>
       </p:sp>
@@ -7291,7 +8117,7 @@
           <a:p>
             <a:r>
               <a:rPr lang="cs-CZ" dirty="0"/>
-              <a:t>Ukázka prokliku DataPine.com</a:t>
+              <a:t>Ukázka prokliku DataPine.com (admin)</a:t>
             </a:r>
           </a:p>
         </p:txBody>
@@ -7320,11 +8146,45 @@
         </p:blipFill>
         <p:spPr>
           <a:xfrm>
-            <a:off x="542265" y="1269038"/>
-            <a:ext cx="10782873" cy="5214253"/>
+            <a:off x="1199991" y="1983593"/>
+            <a:ext cx="9404723" cy="4547824"/>
           </a:xfrm>
         </p:spPr>
       </p:pic>
+      <p:sp>
+        <p:nvSpPr>
+          <p:cNvPr id="3" name="Slide Number Placeholder 2">
+            <a:extLst>
+              <a:ext uri="{FF2B5EF4-FFF2-40B4-BE49-F238E27FC236}">
+                <a16:creationId xmlns:a16="http://schemas.microsoft.com/office/drawing/2014/main" id="{84C306F7-13C3-4C71-B273-2190E37E0F1A}"/>
+              </a:ext>
+            </a:extLst>
+          </p:cNvPr>
+          <p:cNvSpPr>
+            <a:spLocks noGrp="1"/>
+          </p:cNvSpPr>
+          <p:nvPr>
+            <p:ph type="sldNum" sz="quarter" idx="12"/>
+          </p:nvPr>
+        </p:nvSpPr>
+        <p:spPr/>
+        <p:txBody>
+          <a:bodyPr/>
+          <a:lstStyle/>
+          <a:p>
+            <a:fld id="{D57F1E4F-1CFF-5643-939E-02111984F565}" type="slidenum">
+              <a:rPr lang="en-US" sz="1800"/>
+              <a:pPr/>
+              <a:t>8</a:t>
+            </a:fld>
+            <a:r>
+              <a:rPr lang="cs-CZ" sz="1800" dirty="0"/>
+              <a:t>/13</a:t>
+            </a:r>
+            <a:endParaRPr lang="en-US" sz="1800" dirty="0"/>
+          </a:p>
+        </p:txBody>
+      </p:sp>
     </p:spTree>
     <p:extLst>
       <p:ext uri="{BB962C8B-B14F-4D97-AF65-F5344CB8AC3E}">
@@ -7413,7 +8273,14 @@
             <a:pPr lvl="1"/>
             <a:r>
               <a:rPr lang="cs-CZ" dirty="0"/>
-              <a:t>Filtrování, provázanost</a:t>
+              <a:t>Filtrování</a:t>
+            </a:r>
+          </a:p>
+          <a:p>
+            <a:pPr lvl="1"/>
+            <a:r>
+              <a:rPr lang="cs-CZ" dirty="0"/>
+              <a:t>Proklik dat i pro uživatele</a:t>
             </a:r>
           </a:p>
           <a:p>
@@ -7442,6 +8309,40 @@
               <a:rPr lang="cs-CZ" dirty="0"/>
               <a:t>Cenu se mi nepodařilo zjistit, neboť jí nastavují zákazníkům individuálně dle potřeb</a:t>
             </a:r>
+          </a:p>
+        </p:txBody>
+      </p:sp>
+      <p:sp>
+        <p:nvSpPr>
+          <p:cNvPr id="4" name="Slide Number Placeholder 3">
+            <a:extLst>
+              <a:ext uri="{FF2B5EF4-FFF2-40B4-BE49-F238E27FC236}">
+                <a16:creationId xmlns:a16="http://schemas.microsoft.com/office/drawing/2014/main" id="{6C063B9E-6765-40F1-8C80-2039193D2ECB}"/>
+              </a:ext>
+            </a:extLst>
+          </p:cNvPr>
+          <p:cNvSpPr>
+            <a:spLocks noGrp="1"/>
+          </p:cNvSpPr>
+          <p:nvPr>
+            <p:ph type="sldNum" sz="quarter" idx="12"/>
+          </p:nvPr>
+        </p:nvSpPr>
+        <p:spPr/>
+        <p:txBody>
+          <a:bodyPr/>
+          <a:lstStyle/>
+          <a:p>
+            <a:fld id="{D57F1E4F-1CFF-5643-939E-02111984F565}" type="slidenum">
+              <a:rPr lang="en-US" sz="1800"/>
+              <a:pPr/>
+              <a:t>9</a:t>
+            </a:fld>
+            <a:r>
+              <a:rPr lang="cs-CZ" sz="1800" dirty="0"/>
+              <a:t>/13</a:t>
+            </a:r>
+            <a:endParaRPr lang="en-US" sz="1800" dirty="0"/>
           </a:p>
         </p:txBody>
       </p:sp>
@@ -7722,4 +8623,299 @@
     </a:ext>
   </a:extLst>
 </a:theme>
+</file>
+
+<file path=ppt/theme/theme2.xml><?xml version="1.0" encoding="utf-8"?>
+<a:theme xmlns:a="http://schemas.openxmlformats.org/drawingml/2006/main" name="Office Theme">
+  <a:themeElements>
+    <a:clrScheme name="Office">
+      <a:dk1>
+        <a:sysClr val="windowText" lastClr="000000"/>
+      </a:dk1>
+      <a:lt1>
+        <a:sysClr val="window" lastClr="FFFFFF"/>
+      </a:lt1>
+      <a:dk2>
+        <a:srgbClr val="44546A"/>
+      </a:dk2>
+      <a:lt2>
+        <a:srgbClr val="E7E6E6"/>
+      </a:lt2>
+      <a:accent1>
+        <a:srgbClr val="4472C4"/>
+      </a:accent1>
+      <a:accent2>
+        <a:srgbClr val="ED7D31"/>
+      </a:accent2>
+      <a:accent3>
+        <a:srgbClr val="A5A5A5"/>
+      </a:accent3>
+      <a:accent4>
+        <a:srgbClr val="FFC000"/>
+      </a:accent4>
+      <a:accent5>
+        <a:srgbClr val="5B9BD5"/>
+      </a:accent5>
+      <a:accent6>
+        <a:srgbClr val="70AD47"/>
+      </a:accent6>
+      <a:hlink>
+        <a:srgbClr val="0563C1"/>
+      </a:hlink>
+      <a:folHlink>
+        <a:srgbClr val="954F72"/>
+      </a:folHlink>
+    </a:clrScheme>
+    <a:fontScheme name="Office">
+      <a:majorFont>
+        <a:latin typeface="Calibri Light" panose="020F0302020204030204"/>
+        <a:ea typeface=""/>
+        <a:cs typeface=""/>
+        <a:font script="Jpan" typeface="游ゴシック Light"/>
+        <a:font script="Hang" typeface="맑은 고딕"/>
+        <a:font script="Hans" typeface="等线 Light"/>
+        <a:font script="Hant" typeface="新細明體"/>
+        <a:font script="Arab" typeface="Times New Roman"/>
+        <a:font script="Hebr" typeface="Times New Roman"/>
+        <a:font script="Thai" typeface="Angsana New"/>
+        <a:font script="Ethi" typeface="Nyala"/>
+        <a:font script="Beng" typeface="Vrinda"/>
+        <a:font script="Gujr" typeface="Shruti"/>
+        <a:font script="Khmr" typeface="MoolBoran"/>
+        <a:font script="Knda" typeface="Tunga"/>
+        <a:font script="Guru" typeface="Raavi"/>
+        <a:font script="Cans" typeface="Euphemia"/>
+        <a:font script="Cher" typeface="Plantagenet Cherokee"/>
+        <a:font script="Yiii" typeface="Microsoft Yi Baiti"/>
+        <a:font script="Tibt" typeface="Microsoft Himalaya"/>
+        <a:font script="Thaa" typeface="MV Boli"/>
+        <a:font script="Deva" typeface="Mangal"/>
+        <a:font script="Telu" typeface="Gautami"/>
+        <a:font script="Taml" typeface="Latha"/>
+        <a:font script="Syrc" typeface="Estrangelo Edessa"/>
+        <a:font script="Orya" typeface="Kalinga"/>
+        <a:font script="Mlym" typeface="Kartika"/>
+        <a:font script="Laoo" typeface="DokChampa"/>
+        <a:font script="Sinh" typeface="Iskoola Pota"/>
+        <a:font script="Mong" typeface="Mongolian Baiti"/>
+        <a:font script="Viet" typeface="Times New Roman"/>
+        <a:font script="Uigh" typeface="Microsoft Uighur"/>
+        <a:font script="Geor" typeface="Sylfaen"/>
+        <a:font script="Armn" typeface="Arial"/>
+        <a:font script="Bugi" typeface="Leelawadee UI"/>
+        <a:font script="Bopo" typeface="Microsoft JhengHei"/>
+        <a:font script="Java" typeface="Javanese Text"/>
+        <a:font script="Lisu" typeface="Segoe UI"/>
+        <a:font script="Mymr" typeface="Myanmar Text"/>
+        <a:font script="Nkoo" typeface="Ebrima"/>
+        <a:font script="Olck" typeface="Nirmala UI"/>
+        <a:font script="Osma" typeface="Ebrima"/>
+        <a:font script="Phag" typeface="Phagspa"/>
+        <a:font script="Syrn" typeface="Estrangelo Edessa"/>
+        <a:font script="Syrj" typeface="Estrangelo Edessa"/>
+        <a:font script="Syre" typeface="Estrangelo Edessa"/>
+        <a:font script="Sora" typeface="Nirmala UI"/>
+        <a:font script="Tale" typeface="Microsoft Tai Le"/>
+        <a:font script="Talu" typeface="Microsoft New Tai Lue"/>
+        <a:font script="Tfng" typeface="Ebrima"/>
+      </a:majorFont>
+      <a:minorFont>
+        <a:latin typeface="Calibri" panose="020F0502020204030204"/>
+        <a:ea typeface=""/>
+        <a:cs typeface=""/>
+        <a:font script="Jpan" typeface="游ゴシック"/>
+        <a:font script="Hang" typeface="맑은 고딕"/>
+        <a:font script="Hans" typeface="等线"/>
+        <a:font script="Hant" typeface="新細明體"/>
+        <a:font script="Arab" typeface="Arial"/>
+        <a:font script="Hebr" typeface="Arial"/>
+        <a:font script="Thai" typeface="Cordia New"/>
+        <a:font script="Ethi" typeface="Nyala"/>
+        <a:font script="Beng" typeface="Vrinda"/>
+        <a:font script="Gujr" typeface="Shruti"/>
+        <a:font script="Khmr" typeface="DaunPenh"/>
+        <a:font script="Knda" typeface="Tunga"/>
+        <a:font script="Guru" typeface="Raavi"/>
+        <a:font script="Cans" typeface="Euphemia"/>
+        <a:font script="Cher" typeface="Plantagenet Cherokee"/>
+        <a:font script="Yiii" typeface="Microsoft Yi Baiti"/>
+        <a:font script="Tibt" typeface="Microsoft Himalaya"/>
+        <a:font script="Thaa" typeface="MV Boli"/>
+        <a:font script="Deva" typeface="Mangal"/>
+        <a:font script="Telu" typeface="Gautami"/>
+        <a:font script="Taml" typeface="Latha"/>
+        <a:font script="Syrc" typeface="Estrangelo Edessa"/>
+        <a:font script="Orya" typeface="Kalinga"/>
+        <a:font script="Mlym" typeface="Kartika"/>
+        <a:font script="Laoo" typeface="DokChampa"/>
+        <a:font script="Sinh" typeface="Iskoola Pota"/>
+        <a:font script="Mong" typeface="Mongolian Baiti"/>
+        <a:font script="Viet" typeface="Arial"/>
+        <a:font script="Uigh" typeface="Microsoft Uighur"/>
+        <a:font script="Geor" typeface="Sylfaen"/>
+        <a:font script="Armn" typeface="Arial"/>
+        <a:font script="Bugi" typeface="Leelawadee UI"/>
+        <a:font script="Bopo" typeface="Microsoft JhengHei"/>
+        <a:font script="Java" typeface="Javanese Text"/>
+        <a:font script="Lisu" typeface="Segoe UI"/>
+        <a:font script="Mymr" typeface="Myanmar Text"/>
+        <a:font script="Nkoo" typeface="Ebrima"/>
+        <a:font script="Olck" typeface="Nirmala UI"/>
+        <a:font script="Osma" typeface="Ebrima"/>
+        <a:font script="Phag" typeface="Phagspa"/>
+        <a:font script="Syrn" typeface="Estrangelo Edessa"/>
+        <a:font script="Syrj" typeface="Estrangelo Edessa"/>
+        <a:font script="Syre" typeface="Estrangelo Edessa"/>
+        <a:font script="Sora" typeface="Nirmala UI"/>
+        <a:font script="Tale" typeface="Microsoft Tai Le"/>
+        <a:font script="Talu" typeface="Microsoft New Tai Lue"/>
+        <a:font script="Tfng" typeface="Ebrima"/>
+      </a:minorFont>
+    </a:fontScheme>
+    <a:fmtScheme name="Office">
+      <a:fillStyleLst>
+        <a:solidFill>
+          <a:schemeClr val="phClr"/>
+        </a:solidFill>
+        <a:gradFill rotWithShape="1">
+          <a:gsLst>
+            <a:gs pos="0">
+              <a:schemeClr val="phClr">
+                <a:lumMod val="110000"/>
+                <a:satMod val="105000"/>
+                <a:tint val="67000"/>
+              </a:schemeClr>
+            </a:gs>
+            <a:gs pos="50000">
+              <a:schemeClr val="phClr">
+                <a:lumMod val="105000"/>
+                <a:satMod val="103000"/>
+                <a:tint val="73000"/>
+              </a:schemeClr>
+            </a:gs>
+            <a:gs pos="100000">
+              <a:schemeClr val="phClr">
+                <a:lumMod val="105000"/>
+                <a:satMod val="109000"/>
+                <a:tint val="81000"/>
+              </a:schemeClr>
+            </a:gs>
+          </a:gsLst>
+          <a:lin ang="5400000" scaled="0"/>
+        </a:gradFill>
+        <a:gradFill rotWithShape="1">
+          <a:gsLst>
+            <a:gs pos="0">
+              <a:schemeClr val="phClr">
+                <a:satMod val="103000"/>
+                <a:lumMod val="102000"/>
+                <a:tint val="94000"/>
+              </a:schemeClr>
+            </a:gs>
+            <a:gs pos="50000">
+              <a:schemeClr val="phClr">
+                <a:satMod val="110000"/>
+                <a:lumMod val="100000"/>
+                <a:shade val="100000"/>
+              </a:schemeClr>
+            </a:gs>
+            <a:gs pos="100000">
+              <a:schemeClr val="phClr">
+                <a:lumMod val="99000"/>
+                <a:satMod val="120000"/>
+                <a:shade val="78000"/>
+              </a:schemeClr>
+            </a:gs>
+          </a:gsLst>
+          <a:lin ang="5400000" scaled="0"/>
+        </a:gradFill>
+      </a:fillStyleLst>
+      <a:lnStyleLst>
+        <a:ln w="6350" cap="flat" cmpd="sng" algn="ctr">
+          <a:solidFill>
+            <a:schemeClr val="phClr"/>
+          </a:solidFill>
+          <a:prstDash val="solid"/>
+          <a:miter lim="800000"/>
+        </a:ln>
+        <a:ln w="12700" cap="flat" cmpd="sng" algn="ctr">
+          <a:solidFill>
+            <a:schemeClr val="phClr"/>
+          </a:solidFill>
+          <a:prstDash val="solid"/>
+          <a:miter lim="800000"/>
+        </a:ln>
+        <a:ln w="19050" cap="flat" cmpd="sng" algn="ctr">
+          <a:solidFill>
+            <a:schemeClr val="phClr"/>
+          </a:solidFill>
+          <a:prstDash val="solid"/>
+          <a:miter lim="800000"/>
+        </a:ln>
+      </a:lnStyleLst>
+      <a:effectStyleLst>
+        <a:effectStyle>
+          <a:effectLst/>
+        </a:effectStyle>
+        <a:effectStyle>
+          <a:effectLst/>
+        </a:effectStyle>
+        <a:effectStyle>
+          <a:effectLst>
+            <a:outerShdw blurRad="57150" dist="19050" dir="5400000" algn="ctr" rotWithShape="0">
+              <a:srgbClr val="000000">
+                <a:alpha val="63000"/>
+              </a:srgbClr>
+            </a:outerShdw>
+          </a:effectLst>
+        </a:effectStyle>
+      </a:effectStyleLst>
+      <a:bgFillStyleLst>
+        <a:solidFill>
+          <a:schemeClr val="phClr"/>
+        </a:solidFill>
+        <a:solidFill>
+          <a:schemeClr val="phClr">
+            <a:tint val="95000"/>
+            <a:satMod val="170000"/>
+          </a:schemeClr>
+        </a:solidFill>
+        <a:gradFill rotWithShape="1">
+          <a:gsLst>
+            <a:gs pos="0">
+              <a:schemeClr val="phClr">
+                <a:tint val="93000"/>
+                <a:satMod val="150000"/>
+                <a:shade val="98000"/>
+                <a:lumMod val="102000"/>
+              </a:schemeClr>
+            </a:gs>
+            <a:gs pos="50000">
+              <a:schemeClr val="phClr">
+                <a:tint val="98000"/>
+                <a:satMod val="130000"/>
+                <a:shade val="90000"/>
+                <a:lumMod val="103000"/>
+              </a:schemeClr>
+            </a:gs>
+            <a:gs pos="100000">
+              <a:schemeClr val="phClr">
+                <a:shade val="63000"/>
+                <a:satMod val="120000"/>
+              </a:schemeClr>
+            </a:gs>
+          </a:gsLst>
+          <a:lin ang="5400000" scaled="0"/>
+        </a:gradFill>
+      </a:bgFillStyleLst>
+    </a:fmtScheme>
+  </a:themeElements>
+  <a:objectDefaults/>
+  <a:extraClrSchemeLst/>
+  <a:extLst>
+    <a:ext uri="{05A4C25C-085E-4340-85A3-A5531E510DB2}">
+      <thm15:themeFamily xmlns:thm15="http://schemas.microsoft.com/office/thememl/2012/main" name="Office Theme" id="{62F939B6-93AF-4DB8-9C6B-D6C7DFDC589F}" vid="{4A3C46E8-61CC-4603-A589-7422A47A8E4A}"/>
+    </a:ext>
+  </a:extLst>
+</a:theme>
 </file>